--- a/77切實相愛.pptx
+++ b/77切實相愛.pptx
@@ -7,13 +7,15 @@
   <p:sldIdLst>
     <p:sldId id="256" r:id="rId2"/>
     <p:sldId id="257" r:id="rId3"/>
-    <p:sldId id="258" r:id="rId4"/>
-    <p:sldId id="259" r:id="rId5"/>
-    <p:sldId id="260" r:id="rId6"/>
-    <p:sldId id="261" r:id="rId7"/>
-    <p:sldId id="262" r:id="rId8"/>
+    <p:sldId id="263" r:id="rId4"/>
+    <p:sldId id="264" r:id="rId5"/>
+    <p:sldId id="265" r:id="rId6"/>
+    <p:sldId id="266" r:id="rId7"/>
+    <p:sldId id="267" r:id="rId8"/>
+    <p:sldId id="268" r:id="rId9"/>
+    <p:sldId id="269" r:id="rId10"/>
   </p:sldIdLst>
-  <p:sldSz cx="9144000" cy="6858000" type="screen4x3"/>
+  <p:sldSz cx="12192000" cy="6858000"/>
   <p:notesSz cx="6858000" cy="9144000"/>
   <p:defaultTextStyle>
     <a:defPPr>
@@ -110,6 +112,22 @@
       </a:defRPr>
     </a:lvl9pPr>
   </p:defaultTextStyle>
+  <p:extLst>
+    <p:ext uri="{EFAFB233-063F-42B5-8137-9DF3F51BA10A}">
+      <p15:sldGuideLst xmlns:p15="http://schemas.microsoft.com/office/powerpoint/2012/main">
+        <p15:guide id="1" orient="horz" pos="2160" userDrawn="1">
+          <p15:clr>
+            <a:srgbClr val="A4A3A4"/>
+          </p15:clr>
+        </p15:guide>
+        <p15:guide id="2" pos="3840" userDrawn="1">
+          <p15:clr>
+            <a:srgbClr val="A4A3A4"/>
+          </p15:clr>
+        </p15:guide>
+      </p15:sldGuideLst>
+    </p:ext>
+  </p:extLst>
 </p:presentation>
 </file>
 
@@ -147,8 +165,8 @@
         </p:nvSpPr>
         <p:spPr>
           <a:xfrm>
-            <a:off x="2286000" y="3124200"/>
-            <a:ext cx="6172200" cy="1894362"/>
+            <a:off x="3048000" y="3124200"/>
+            <a:ext cx="8229600" cy="1894362"/>
           </a:xfrm>
         </p:spPr>
         <p:txBody>
@@ -179,8 +197,8 @@
         </p:nvSpPr>
         <p:spPr>
           <a:xfrm>
-            <a:off x="2286000" y="5003322"/>
-            <a:ext cx="6172200" cy="1371600"/>
+            <a:off x="3048000" y="5003322"/>
+            <a:ext cx="8229600" cy="1371600"/>
           </a:xfrm>
         </p:spPr>
         <p:txBody>
@@ -240,8 +258,8 @@
         </p:nvSpPr>
         <p:spPr bwMode="auto">
           <a:xfrm rot="5400000">
-            <a:off x="7764621" y="1174097"/>
-            <a:ext cx="2286000" cy="381000"/>
+            <a:off x="10733828" y="1110597"/>
+            <a:ext cx="2286000" cy="508000"/>
           </a:xfrm>
         </p:spPr>
         <p:txBody>
@@ -250,7 +268,7 @@
           <a:p>
             <a:fld id="{74BC4726-2204-402F-8651-3DE2807316DF}" type="datetimeFigureOut">
               <a:rPr lang="en-US" smtClean="0"/>
-              <a:t>12/9/2012</a:t>
+              <a:t>2/8/2020</a:t>
             </a:fld>
             <a:endParaRPr lang="en-US"/>
           </a:p>
@@ -268,8 +286,8 @@
         </p:nvSpPr>
         <p:spPr bwMode="auto">
           <a:xfrm rot="5400000">
-            <a:off x="7077269" y="4181669"/>
-            <a:ext cx="3657600" cy="384048"/>
+            <a:off x="10045959" y="4117661"/>
+            <a:ext cx="3657600" cy="512064"/>
           </a:xfrm>
         </p:spPr>
         <p:txBody>
@@ -288,8 +306,8 @@
         </p:nvSpPr>
         <p:spPr bwMode="auto">
           <a:xfrm>
-            <a:off x="381000" y="0"/>
-            <a:ext cx="609600" cy="6858000"/>
+            <a:off x="508000" y="0"/>
+            <a:ext cx="812800" cy="6858000"/>
           </a:xfrm>
           <a:prstGeom prst="rect">
             <a:avLst/>
@@ -325,7 +343,7 @@
           <a:lstStyle/>
           <a:p>
             <a:pPr algn="ctr" eaLnBrk="1" latinLnBrk="0" hangingPunct="1"/>
-            <a:endParaRPr kumimoji="0" lang="en-US"/>
+            <a:endParaRPr kumimoji="0" lang="en-US" sz="1800"/>
           </a:p>
         </p:txBody>
       </p:sp>
@@ -337,8 +355,8 @@
         </p:nvSpPr>
         <p:spPr bwMode="auto">
           <a:xfrm>
-            <a:off x="276336" y="0"/>
-            <a:ext cx="104664" cy="6858000"/>
+            <a:off x="368448" y="0"/>
+            <a:ext cx="139552" cy="6858000"/>
           </a:xfrm>
           <a:prstGeom prst="rect">
             <a:avLst/>
@@ -374,7 +392,7 @@
           <a:lstStyle/>
           <a:p>
             <a:pPr algn="ctr" eaLnBrk="1" latinLnBrk="0" hangingPunct="1"/>
-            <a:endParaRPr kumimoji="0" lang="en-US"/>
+            <a:endParaRPr kumimoji="0" lang="en-US" sz="1800"/>
           </a:p>
         </p:txBody>
       </p:sp>
@@ -386,8 +404,8 @@
         </p:nvSpPr>
         <p:spPr bwMode="auto">
           <a:xfrm>
-            <a:off x="990600" y="0"/>
-            <a:ext cx="181872" cy="6858000"/>
+            <a:off x="1320800" y="0"/>
+            <a:ext cx="242496" cy="6858000"/>
           </a:xfrm>
           <a:prstGeom prst="rect">
             <a:avLst/>
@@ -423,7 +441,7 @@
           <a:lstStyle/>
           <a:p>
             <a:pPr algn="ctr" eaLnBrk="1" latinLnBrk="0" hangingPunct="1"/>
-            <a:endParaRPr kumimoji="0" lang="en-US"/>
+            <a:endParaRPr kumimoji="0" lang="en-US" sz="1800"/>
           </a:p>
         </p:txBody>
       </p:sp>
@@ -435,8 +453,8 @@
         </p:nvSpPr>
         <p:spPr bwMode="auto">
           <a:xfrm>
-            <a:off x="1141320" y="0"/>
-            <a:ext cx="230280" cy="6858000"/>
+            <a:off x="1521760" y="0"/>
+            <a:ext cx="307040" cy="6858000"/>
           </a:xfrm>
           <a:prstGeom prst="rect">
             <a:avLst/>
@@ -472,7 +490,7 @@
           <a:lstStyle/>
           <a:p>
             <a:pPr algn="ctr" eaLnBrk="1" latinLnBrk="0" hangingPunct="1"/>
-            <a:endParaRPr kumimoji="0" lang="en-US"/>
+            <a:endParaRPr kumimoji="0" lang="en-US" sz="1800"/>
           </a:p>
         </p:txBody>
       </p:sp>
@@ -486,7 +504,7 @@
         </p:nvSpPr>
         <p:spPr bwMode="auto">
           <a:xfrm>
-            <a:off x="106344" y="0"/>
+            <a:off x="141792" y="0"/>
             <a:ext cx="0" cy="6858000"/>
           </a:xfrm>
           <a:prstGeom prst="line">
@@ -511,7 +529,7 @@
           <a:bodyPr vert="horz" wrap="square" lIns="91440" tIns="45720" rIns="91440" bIns="45720" anchor="t" compatLnSpc="1"/>
           <a:lstStyle/>
           <a:p>
-            <a:endParaRPr kumimoji="0" lang="en-US"/>
+            <a:endParaRPr kumimoji="0" lang="en-US" sz="1800"/>
           </a:p>
         </p:txBody>
       </p:sp>
@@ -525,7 +543,7 @@
         </p:nvSpPr>
         <p:spPr bwMode="auto">
           <a:xfrm>
-            <a:off x="914400" y="0"/>
+            <a:off x="1219200" y="0"/>
             <a:ext cx="0" cy="6858000"/>
           </a:xfrm>
           <a:prstGeom prst="line">
@@ -550,7 +568,7 @@
           <a:bodyPr vert="horz" wrap="square" lIns="91440" tIns="45720" rIns="91440" bIns="45720" anchor="t" compatLnSpc="1"/>
           <a:lstStyle/>
           <a:p>
-            <a:endParaRPr kumimoji="0" lang="en-US"/>
+            <a:endParaRPr kumimoji="0" lang="en-US" sz="1800"/>
           </a:p>
         </p:txBody>
       </p:sp>
@@ -564,7 +582,7 @@
         </p:nvSpPr>
         <p:spPr bwMode="auto">
           <a:xfrm>
-            <a:off x="854112" y="0"/>
+            <a:off x="1138816" y="0"/>
             <a:ext cx="0" cy="6858000"/>
           </a:xfrm>
           <a:prstGeom prst="line">
@@ -588,7 +606,7 @@
           <a:bodyPr vert="horz" wrap="square" lIns="91440" tIns="45720" rIns="91440" bIns="45720" anchor="t" compatLnSpc="1"/>
           <a:lstStyle/>
           <a:p>
-            <a:endParaRPr kumimoji="0" lang="en-US"/>
+            <a:endParaRPr kumimoji="0" lang="en-US" sz="1800"/>
           </a:p>
         </p:txBody>
       </p:sp>
@@ -602,7 +620,7 @@
         </p:nvSpPr>
         <p:spPr bwMode="auto">
           <a:xfrm>
-            <a:off x="1726640" y="0"/>
+            <a:off x="2302187" y="0"/>
             <a:ext cx="0" cy="6858000"/>
           </a:xfrm>
           <a:prstGeom prst="line">
@@ -627,7 +645,7 @@
           <a:bodyPr vert="horz" wrap="square" lIns="91440" tIns="45720" rIns="91440" bIns="45720" anchor="t" compatLnSpc="1"/>
           <a:lstStyle/>
           <a:p>
-            <a:endParaRPr kumimoji="0" lang="en-US"/>
+            <a:endParaRPr kumimoji="0" lang="en-US" sz="1800"/>
           </a:p>
         </p:txBody>
       </p:sp>
@@ -641,7 +659,7 @@
         </p:nvSpPr>
         <p:spPr bwMode="auto">
           <a:xfrm>
-            <a:off x="1066800" y="0"/>
+            <a:off x="1422400" y="0"/>
             <a:ext cx="0" cy="6858000"/>
           </a:xfrm>
           <a:prstGeom prst="line">
@@ -665,7 +683,7 @@
           <a:bodyPr vert="horz" wrap="square" lIns="91440" tIns="45720" rIns="91440" bIns="45720" anchor="t" compatLnSpc="1"/>
           <a:lstStyle/>
           <a:p>
-            <a:endParaRPr kumimoji="0" lang="en-US"/>
+            <a:endParaRPr kumimoji="0" lang="en-US" sz="1800"/>
           </a:p>
         </p:txBody>
       </p:sp>
@@ -679,7 +697,7 @@
         </p:nvSpPr>
         <p:spPr bwMode="auto">
           <a:xfrm>
-            <a:off x="9113856" y="0"/>
+            <a:off x="12151808" y="0"/>
             <a:ext cx="0" cy="6858000"/>
           </a:xfrm>
           <a:prstGeom prst="line">
@@ -703,7 +721,7 @@
           <a:bodyPr vert="horz" wrap="square" lIns="91440" tIns="45720" rIns="91440" bIns="45720" anchor="t" compatLnSpc="1"/>
           <a:lstStyle/>
           <a:p>
-            <a:endParaRPr kumimoji="0" lang="en-US"/>
+            <a:endParaRPr kumimoji="0" lang="en-US" sz="1800"/>
           </a:p>
         </p:txBody>
       </p:sp>
@@ -715,8 +733,8 @@
         </p:nvSpPr>
         <p:spPr bwMode="auto">
           <a:xfrm>
-            <a:off x="1219200" y="0"/>
-            <a:ext cx="76200" cy="6858000"/>
+            <a:off x="1625600" y="0"/>
+            <a:ext cx="101600" cy="6858000"/>
           </a:xfrm>
           <a:prstGeom prst="rect">
             <a:avLst/>
@@ -752,7 +770,7 @@
           <a:lstStyle/>
           <a:p>
             <a:pPr algn="ctr" eaLnBrk="1" latinLnBrk="0" hangingPunct="1"/>
-            <a:endParaRPr kumimoji="0" lang="en-US" dirty="0"/>
+            <a:endParaRPr kumimoji="0" lang="en-US" sz="1800" dirty="0"/>
           </a:p>
         </p:txBody>
       </p:sp>
@@ -764,8 +782,8 @@
         </p:nvSpPr>
         <p:spPr bwMode="auto">
           <a:xfrm>
-            <a:off x="609600" y="3429000"/>
-            <a:ext cx="1295400" cy="1295400"/>
+            <a:off x="812800" y="3429000"/>
+            <a:ext cx="1727200" cy="1295400"/>
           </a:xfrm>
           <a:prstGeom prst="ellipse">
             <a:avLst/>
@@ -798,7 +816,7 @@
           <a:lstStyle/>
           <a:p>
             <a:pPr algn="ctr" eaLnBrk="1" latinLnBrk="0" hangingPunct="1"/>
-            <a:endParaRPr kumimoji="0" lang="en-US" dirty="0"/>
+            <a:endParaRPr kumimoji="0" lang="en-US" sz="1800" dirty="0"/>
           </a:p>
         </p:txBody>
       </p:sp>
@@ -810,8 +828,8 @@
         </p:nvSpPr>
         <p:spPr bwMode="auto">
           <a:xfrm>
-            <a:off x="1309632" y="4866752"/>
-            <a:ext cx="641424" cy="641424"/>
+            <a:off x="1746176" y="4866752"/>
+            <a:ext cx="855232" cy="641424"/>
           </a:xfrm>
           <a:prstGeom prst="ellipse">
             <a:avLst/>
@@ -841,7 +859,7 @@
           <a:lstStyle/>
           <a:p>
             <a:pPr algn="ctr" eaLnBrk="1" latinLnBrk="0" hangingPunct="1"/>
-            <a:endParaRPr kumimoji="0" lang="en-US" dirty="0"/>
+            <a:endParaRPr kumimoji="0" lang="en-US" sz="1800" dirty="0"/>
           </a:p>
         </p:txBody>
       </p:sp>
@@ -853,8 +871,8 @@
         </p:nvSpPr>
         <p:spPr bwMode="auto">
           <a:xfrm>
-            <a:off x="1091080" y="5500632"/>
-            <a:ext cx="137160" cy="137160"/>
+            <a:off x="1454773" y="5500632"/>
+            <a:ext cx="182880" cy="137160"/>
           </a:xfrm>
           <a:prstGeom prst="ellipse">
             <a:avLst/>
@@ -884,7 +902,7 @@
           <a:lstStyle/>
           <a:p>
             <a:pPr algn="ctr" eaLnBrk="1" latinLnBrk="0" hangingPunct="1"/>
-            <a:endParaRPr kumimoji="0" lang="en-US" dirty="0"/>
+            <a:endParaRPr kumimoji="0" lang="en-US" sz="1800" dirty="0"/>
           </a:p>
         </p:txBody>
       </p:sp>
@@ -896,8 +914,8 @@
         </p:nvSpPr>
         <p:spPr bwMode="auto">
           <a:xfrm>
-            <a:off x="1664208" y="5788152"/>
-            <a:ext cx="274320" cy="274320"/>
+            <a:off x="2218944" y="5788152"/>
+            <a:ext cx="365760" cy="274320"/>
           </a:xfrm>
           <a:prstGeom prst="ellipse">
             <a:avLst/>
@@ -927,7 +945,7 @@
           <a:lstStyle/>
           <a:p>
             <a:pPr algn="ctr" eaLnBrk="1" latinLnBrk="0" hangingPunct="1"/>
-            <a:endParaRPr kumimoji="0" lang="en-US" dirty="0"/>
+            <a:endParaRPr kumimoji="0" lang="en-US" sz="1800" dirty="0"/>
           </a:p>
         </p:txBody>
       </p:sp>
@@ -939,8 +957,8 @@
         </p:nvSpPr>
         <p:spPr>
           <a:xfrm>
-            <a:off x="1905000" y="4495800"/>
-            <a:ext cx="365760" cy="365760"/>
+            <a:off x="2540000" y="4495800"/>
+            <a:ext cx="487680" cy="365760"/>
           </a:xfrm>
           <a:prstGeom prst="ellipse">
             <a:avLst/>
@@ -970,7 +988,7 @@
           <a:lstStyle/>
           <a:p>
             <a:pPr algn="ctr" eaLnBrk="1" latinLnBrk="0" hangingPunct="1"/>
-            <a:endParaRPr kumimoji="0" lang="en-US" dirty="0"/>
+            <a:endParaRPr kumimoji="0" lang="en-US" sz="1800" dirty="0"/>
           </a:p>
         </p:txBody>
       </p:sp>
@@ -986,8 +1004,8 @@
         </p:nvSpPr>
         <p:spPr bwMode="auto">
           <a:xfrm>
-            <a:off x="1325544" y="4928702"/>
-            <a:ext cx="609600" cy="517524"/>
+            <a:off x="1767392" y="4928702"/>
+            <a:ext cx="812800" cy="517524"/>
           </a:xfrm>
         </p:spPr>
         <p:txBody>
@@ -1119,7 +1137,7 @@
           <a:p>
             <a:fld id="{74BC4726-2204-402F-8651-3DE2807316DF}" type="datetimeFigureOut">
               <a:rPr lang="en-US" smtClean="0"/>
-              <a:t>12/9/2012</a:t>
+              <a:t>2/8/2020</a:t>
             </a:fld>
             <a:endParaRPr lang="en-US"/>
           </a:p>
@@ -1204,8 +1222,8 @@
         </p:nvSpPr>
         <p:spPr>
           <a:xfrm>
-            <a:off x="6629400" y="274639"/>
-            <a:ext cx="1676400" cy="5851525"/>
+            <a:off x="8839200" y="274640"/>
+            <a:ext cx="2235200" cy="5851525"/>
           </a:xfrm>
         </p:spPr>
         <p:txBody>
@@ -1232,8 +1250,8 @@
         </p:nvSpPr>
         <p:spPr>
           <a:xfrm>
-            <a:off x="457200" y="274638"/>
-            <a:ext cx="6019800" cy="5851525"/>
+            <a:off x="609600" y="274639"/>
+            <a:ext cx="8026400" cy="5851525"/>
           </a:xfrm>
         </p:spPr>
         <p:txBody>
@@ -1294,7 +1312,7 @@
           <a:p>
             <a:fld id="{74BC4726-2204-402F-8651-3DE2807316DF}" type="datetimeFigureOut">
               <a:rPr lang="en-US" smtClean="0"/>
-              <a:t>12/9/2012</a:t>
+              <a:t>2/8/2020</a:t>
             </a:fld>
             <a:endParaRPr lang="en-US"/>
           </a:p>
@@ -1402,8 +1420,8 @@
         </p:nvSpPr>
         <p:spPr>
           <a:xfrm>
-            <a:off x="457200" y="1600200"/>
-            <a:ext cx="7467600" cy="4873752"/>
+            <a:off x="609600" y="1600200"/>
+            <a:ext cx="9956800" cy="4873752"/>
           </a:xfrm>
         </p:spPr>
         <p:txBody>
@@ -1464,7 +1482,7 @@
           <a:p>
             <a:fld id="{74BC4726-2204-402F-8651-3DE2807316DF}" type="datetimeFigureOut">
               <a:rPr lang="en-US" smtClean="0"/>
-              <a:t>12/9/2012</a:t>
+              <a:t>2/8/2020</a:t>
             </a:fld>
             <a:endParaRPr lang="en-US"/>
           </a:p>
@@ -1554,8 +1572,8 @@
         </p:nvSpPr>
         <p:spPr>
           <a:xfrm>
-            <a:off x="2286000" y="2895600"/>
-            <a:ext cx="6172200" cy="2053590"/>
+            <a:off x="3048000" y="2895600"/>
+            <a:ext cx="8229600" cy="2053590"/>
           </a:xfrm>
         </p:spPr>
         <p:txBody>
@@ -1587,8 +1605,8 @@
         </p:nvSpPr>
         <p:spPr>
           <a:xfrm>
-            <a:off x="2286000" y="5010150"/>
-            <a:ext cx="6172200" cy="1371600"/>
+            <a:off x="3048000" y="5010150"/>
+            <a:ext cx="8229600" cy="1371600"/>
           </a:xfrm>
         </p:spPr>
         <p:txBody>
@@ -1664,8 +1682,8 @@
         </p:nvSpPr>
         <p:spPr bwMode="auto">
           <a:xfrm rot="5400000">
-            <a:off x="7763256" y="1170432"/>
-            <a:ext cx="2286000" cy="381000"/>
+            <a:off x="10732008" y="1106932"/>
+            <a:ext cx="2286000" cy="508000"/>
           </a:xfrm>
         </p:spPr>
         <p:txBody>
@@ -1674,7 +1692,7 @@
           <a:p>
             <a:fld id="{74BC4726-2204-402F-8651-3DE2807316DF}" type="datetimeFigureOut">
               <a:rPr lang="en-US" smtClean="0"/>
-              <a:t>12/9/2012</a:t>
+              <a:t>2/8/2020</a:t>
             </a:fld>
             <a:endParaRPr lang="en-US"/>
           </a:p>
@@ -1692,8 +1710,8 @@
         </p:nvSpPr>
         <p:spPr bwMode="auto">
           <a:xfrm rot="5400000">
-            <a:off x="7077456" y="4178808"/>
-            <a:ext cx="3657600" cy="384048"/>
+            <a:off x="10046208" y="4114800"/>
+            <a:ext cx="3657600" cy="512064"/>
           </a:xfrm>
         </p:spPr>
         <p:txBody>
@@ -1712,8 +1730,8 @@
         </p:nvSpPr>
         <p:spPr bwMode="auto">
           <a:xfrm>
-            <a:off x="381000" y="0"/>
-            <a:ext cx="609600" cy="6858000"/>
+            <a:off x="508000" y="0"/>
+            <a:ext cx="812800" cy="6858000"/>
           </a:xfrm>
           <a:prstGeom prst="rect">
             <a:avLst/>
@@ -1749,7 +1767,7 @@
           <a:lstStyle/>
           <a:p>
             <a:pPr algn="ctr" eaLnBrk="1" latinLnBrk="0" hangingPunct="1"/>
-            <a:endParaRPr kumimoji="0" lang="en-US"/>
+            <a:endParaRPr kumimoji="0" lang="en-US" sz="1800"/>
           </a:p>
         </p:txBody>
       </p:sp>
@@ -1761,8 +1779,8 @@
         </p:nvSpPr>
         <p:spPr bwMode="auto">
           <a:xfrm>
-            <a:off x="276336" y="0"/>
-            <a:ext cx="104664" cy="6858000"/>
+            <a:off x="368448" y="0"/>
+            <a:ext cx="139552" cy="6858000"/>
           </a:xfrm>
           <a:prstGeom prst="rect">
             <a:avLst/>
@@ -1798,7 +1816,7 @@
           <a:lstStyle/>
           <a:p>
             <a:pPr algn="ctr" eaLnBrk="1" latinLnBrk="0" hangingPunct="1"/>
-            <a:endParaRPr kumimoji="0" lang="en-US"/>
+            <a:endParaRPr kumimoji="0" lang="en-US" sz="1800"/>
           </a:p>
         </p:txBody>
       </p:sp>
@@ -1810,8 +1828,8 @@
         </p:nvSpPr>
         <p:spPr bwMode="auto">
           <a:xfrm>
-            <a:off x="990600" y="0"/>
-            <a:ext cx="181872" cy="6858000"/>
+            <a:off x="1320800" y="0"/>
+            <a:ext cx="242496" cy="6858000"/>
           </a:xfrm>
           <a:prstGeom prst="rect">
             <a:avLst/>
@@ -1847,7 +1865,7 @@
           <a:lstStyle/>
           <a:p>
             <a:pPr algn="ctr" eaLnBrk="1" latinLnBrk="0" hangingPunct="1"/>
-            <a:endParaRPr kumimoji="0" lang="en-US"/>
+            <a:endParaRPr kumimoji="0" lang="en-US" sz="1800"/>
           </a:p>
         </p:txBody>
       </p:sp>
@@ -1859,8 +1877,8 @@
         </p:nvSpPr>
         <p:spPr bwMode="auto">
           <a:xfrm>
-            <a:off x="1141320" y="0"/>
-            <a:ext cx="230280" cy="6858000"/>
+            <a:off x="1521760" y="0"/>
+            <a:ext cx="307040" cy="6858000"/>
           </a:xfrm>
           <a:prstGeom prst="rect">
             <a:avLst/>
@@ -1896,7 +1914,7 @@
           <a:lstStyle/>
           <a:p>
             <a:pPr algn="ctr" eaLnBrk="1" latinLnBrk="0" hangingPunct="1"/>
-            <a:endParaRPr kumimoji="0" lang="en-US"/>
+            <a:endParaRPr kumimoji="0" lang="en-US" sz="1800"/>
           </a:p>
         </p:txBody>
       </p:sp>
@@ -1910,7 +1928,7 @@
         </p:nvSpPr>
         <p:spPr bwMode="auto">
           <a:xfrm>
-            <a:off x="106344" y="0"/>
+            <a:off x="141792" y="0"/>
             <a:ext cx="0" cy="6858000"/>
           </a:xfrm>
           <a:prstGeom prst="line">
@@ -1935,7 +1953,7 @@
           <a:bodyPr vert="horz" wrap="square" lIns="91440" tIns="45720" rIns="91440" bIns="45720" anchor="t" compatLnSpc="1"/>
           <a:lstStyle/>
           <a:p>
-            <a:endParaRPr kumimoji="0" lang="en-US"/>
+            <a:endParaRPr kumimoji="0" lang="en-US" sz="1800"/>
           </a:p>
         </p:txBody>
       </p:sp>
@@ -1949,7 +1967,7 @@
         </p:nvSpPr>
         <p:spPr bwMode="auto">
           <a:xfrm>
-            <a:off x="914400" y="0"/>
+            <a:off x="1219200" y="0"/>
             <a:ext cx="0" cy="6858000"/>
           </a:xfrm>
           <a:prstGeom prst="line">
@@ -1974,7 +1992,7 @@
           <a:bodyPr vert="horz" wrap="square" lIns="91440" tIns="45720" rIns="91440" bIns="45720" anchor="t" compatLnSpc="1"/>
           <a:lstStyle/>
           <a:p>
-            <a:endParaRPr kumimoji="0" lang="en-US"/>
+            <a:endParaRPr kumimoji="0" lang="en-US" sz="1800"/>
           </a:p>
         </p:txBody>
       </p:sp>
@@ -1988,7 +2006,7 @@
         </p:nvSpPr>
         <p:spPr bwMode="auto">
           <a:xfrm>
-            <a:off x="854112" y="0"/>
+            <a:off x="1138816" y="0"/>
             <a:ext cx="0" cy="6858000"/>
           </a:xfrm>
           <a:prstGeom prst="line">
@@ -2012,7 +2030,7 @@
           <a:bodyPr vert="horz" wrap="square" lIns="91440" tIns="45720" rIns="91440" bIns="45720" anchor="t" compatLnSpc="1"/>
           <a:lstStyle/>
           <a:p>
-            <a:endParaRPr kumimoji="0" lang="en-US"/>
+            <a:endParaRPr kumimoji="0" lang="en-US" sz="1800"/>
           </a:p>
         </p:txBody>
       </p:sp>
@@ -2026,7 +2044,7 @@
         </p:nvSpPr>
         <p:spPr bwMode="auto">
           <a:xfrm>
-            <a:off x="1726640" y="0"/>
+            <a:off x="2302187" y="0"/>
             <a:ext cx="0" cy="6858000"/>
           </a:xfrm>
           <a:prstGeom prst="line">
@@ -2051,7 +2069,7 @@
           <a:bodyPr vert="horz" wrap="square" lIns="91440" tIns="45720" rIns="91440" bIns="45720" anchor="t" compatLnSpc="1"/>
           <a:lstStyle/>
           <a:p>
-            <a:endParaRPr kumimoji="0" lang="en-US"/>
+            <a:endParaRPr kumimoji="0" lang="en-US" sz="1800"/>
           </a:p>
         </p:txBody>
       </p:sp>
@@ -2065,7 +2083,7 @@
         </p:nvSpPr>
         <p:spPr bwMode="auto">
           <a:xfrm>
-            <a:off x="1066800" y="0"/>
+            <a:off x="1422400" y="0"/>
             <a:ext cx="0" cy="6858000"/>
           </a:xfrm>
           <a:prstGeom prst="line">
@@ -2089,7 +2107,7 @@
           <a:bodyPr vert="horz" wrap="square" lIns="91440" tIns="45720" rIns="91440" bIns="45720" anchor="t" compatLnSpc="1"/>
           <a:lstStyle/>
           <a:p>
-            <a:endParaRPr kumimoji="0" lang="en-US"/>
+            <a:endParaRPr kumimoji="0" lang="en-US" sz="1800"/>
           </a:p>
         </p:txBody>
       </p:sp>
@@ -2101,8 +2119,8 @@
         </p:nvSpPr>
         <p:spPr bwMode="auto">
           <a:xfrm>
-            <a:off x="1219200" y="0"/>
-            <a:ext cx="76200" cy="6858000"/>
+            <a:off x="1625600" y="0"/>
+            <a:ext cx="101600" cy="6858000"/>
           </a:xfrm>
           <a:prstGeom prst="rect">
             <a:avLst/>
@@ -2138,7 +2156,7 @@
           <a:lstStyle/>
           <a:p>
             <a:pPr algn="ctr" eaLnBrk="1" latinLnBrk="0" hangingPunct="1"/>
-            <a:endParaRPr kumimoji="0" lang="en-US" dirty="0"/>
+            <a:endParaRPr kumimoji="0" lang="en-US" sz="1800" dirty="0"/>
           </a:p>
         </p:txBody>
       </p:sp>
@@ -2150,8 +2168,8 @@
         </p:nvSpPr>
         <p:spPr bwMode="auto">
           <a:xfrm>
-            <a:off x="609600" y="3429000"/>
-            <a:ext cx="1295400" cy="1295400"/>
+            <a:off x="812800" y="3429000"/>
+            <a:ext cx="1727200" cy="1295400"/>
           </a:xfrm>
           <a:prstGeom prst="ellipse">
             <a:avLst/>
@@ -2181,7 +2199,7 @@
           <a:lstStyle/>
           <a:p>
             <a:pPr algn="ctr" eaLnBrk="1" latinLnBrk="0" hangingPunct="1"/>
-            <a:endParaRPr kumimoji="0" lang="en-US" dirty="0"/>
+            <a:endParaRPr kumimoji="0" lang="en-US" sz="1800" dirty="0"/>
           </a:p>
         </p:txBody>
       </p:sp>
@@ -2193,8 +2211,8 @@
         </p:nvSpPr>
         <p:spPr bwMode="auto">
           <a:xfrm>
-            <a:off x="1324704" y="4866752"/>
-            <a:ext cx="641424" cy="641424"/>
+            <a:off x="1766272" y="4866752"/>
+            <a:ext cx="855232" cy="641424"/>
           </a:xfrm>
           <a:prstGeom prst="ellipse">
             <a:avLst/>
@@ -2224,7 +2242,7 @@
           <a:lstStyle/>
           <a:p>
             <a:pPr algn="ctr" eaLnBrk="1" latinLnBrk="0" hangingPunct="1"/>
-            <a:endParaRPr kumimoji="0" lang="en-US" dirty="0"/>
+            <a:endParaRPr kumimoji="0" lang="en-US" sz="1800" dirty="0"/>
           </a:p>
         </p:txBody>
       </p:sp>
@@ -2236,8 +2254,8 @@
         </p:nvSpPr>
         <p:spPr bwMode="auto">
           <a:xfrm>
-            <a:off x="1091080" y="5500632"/>
-            <a:ext cx="137160" cy="137160"/>
+            <a:off x="1454773" y="5500632"/>
+            <a:ext cx="182880" cy="137160"/>
           </a:xfrm>
           <a:prstGeom prst="ellipse">
             <a:avLst/>
@@ -2267,7 +2285,7 @@
           <a:lstStyle/>
           <a:p>
             <a:pPr algn="ctr" eaLnBrk="1" latinLnBrk="0" hangingPunct="1"/>
-            <a:endParaRPr kumimoji="0" lang="en-US" dirty="0"/>
+            <a:endParaRPr kumimoji="0" lang="en-US" sz="1800" dirty="0"/>
           </a:p>
         </p:txBody>
       </p:sp>
@@ -2279,8 +2297,8 @@
         </p:nvSpPr>
         <p:spPr bwMode="auto">
           <a:xfrm>
-            <a:off x="1664208" y="5791200"/>
-            <a:ext cx="274320" cy="274320"/>
+            <a:off x="2218944" y="5791200"/>
+            <a:ext cx="365760" cy="274320"/>
           </a:xfrm>
           <a:prstGeom prst="ellipse">
             <a:avLst/>
@@ -2310,7 +2328,7 @@
           <a:lstStyle/>
           <a:p>
             <a:pPr algn="ctr" eaLnBrk="1" latinLnBrk="0" hangingPunct="1"/>
-            <a:endParaRPr kumimoji="0" lang="en-US" dirty="0"/>
+            <a:endParaRPr kumimoji="0" lang="en-US" sz="1800" dirty="0"/>
           </a:p>
         </p:txBody>
       </p:sp>
@@ -2322,8 +2340,8 @@
         </p:nvSpPr>
         <p:spPr bwMode="auto">
           <a:xfrm>
-            <a:off x="1879040" y="4479888"/>
-            <a:ext cx="365760" cy="365760"/>
+            <a:off x="2505387" y="4479888"/>
+            <a:ext cx="487680" cy="365760"/>
           </a:xfrm>
           <a:prstGeom prst="ellipse">
             <a:avLst/>
@@ -2353,7 +2371,7 @@
           <a:lstStyle/>
           <a:p>
             <a:pPr algn="ctr" eaLnBrk="1" latinLnBrk="0" hangingPunct="1"/>
-            <a:endParaRPr kumimoji="0" lang="en-US" dirty="0"/>
+            <a:endParaRPr kumimoji="0" lang="en-US" sz="1800" dirty="0"/>
           </a:p>
         </p:txBody>
       </p:sp>
@@ -2367,7 +2385,7 @@
         </p:nvSpPr>
         <p:spPr bwMode="auto">
           <a:xfrm>
-            <a:off x="9097944" y="0"/>
+            <a:off x="12130592" y="0"/>
             <a:ext cx="0" cy="6858000"/>
           </a:xfrm>
           <a:prstGeom prst="line">
@@ -2391,7 +2409,7 @@
           <a:bodyPr vert="horz" wrap="square" lIns="91440" tIns="45720" rIns="91440" bIns="45720" anchor="t" compatLnSpc="1"/>
           <a:lstStyle/>
           <a:p>
-            <a:endParaRPr kumimoji="0" lang="en-US"/>
+            <a:endParaRPr kumimoji="0" lang="en-US" sz="1800"/>
           </a:p>
         </p:txBody>
       </p:sp>
@@ -2407,8 +2425,8 @@
         </p:nvSpPr>
         <p:spPr bwMode="auto">
           <a:xfrm>
-            <a:off x="1340616" y="4928702"/>
-            <a:ext cx="609600" cy="517524"/>
+            <a:off x="1787488" y="4928702"/>
+            <a:ext cx="812800" cy="517524"/>
           </a:xfrm>
         </p:spPr>
         <p:txBody>
@@ -2488,7 +2506,7 @@
           <a:p>
             <a:fld id="{74BC4726-2204-402F-8651-3DE2807316DF}" type="datetimeFigureOut">
               <a:rPr lang="en-US" smtClean="0"/>
-              <a:t>12/9/2012</a:t>
+              <a:t>2/8/2020</a:t>
             </a:fld>
             <a:endParaRPr lang="en-US"/>
           </a:p>
@@ -2548,8 +2566,8 @@
         </p:nvSpPr>
         <p:spPr>
           <a:xfrm>
-            <a:off x="457200" y="1600200"/>
-            <a:ext cx="3657600" cy="4572000"/>
+            <a:off x="609600" y="1600200"/>
+            <a:ext cx="4876800" cy="4572000"/>
           </a:xfrm>
         </p:spPr>
         <p:txBody>
@@ -2605,8 +2623,8 @@
         </p:nvSpPr>
         <p:spPr>
           <a:xfrm>
-            <a:off x="4270248" y="1600200"/>
-            <a:ext cx="3657600" cy="4572000"/>
+            <a:off x="5693664" y="1600200"/>
+            <a:ext cx="4876800" cy="4572000"/>
           </a:xfrm>
         </p:spPr>
         <p:txBody>
@@ -2687,8 +2705,8 @@
         </p:nvSpPr>
         <p:spPr>
           <a:xfrm>
-            <a:off x="457200" y="273050"/>
-            <a:ext cx="7543800" cy="1143000"/>
+            <a:off x="609600" y="273050"/>
+            <a:ext cx="10058400" cy="1143000"/>
           </a:xfrm>
         </p:spPr>
         <p:txBody>
@@ -2724,7 +2742,7 @@
           <a:p>
             <a:fld id="{74BC4726-2204-402F-8651-3DE2807316DF}" type="datetimeFigureOut">
               <a:rPr lang="en-US" smtClean="0"/>
-              <a:t>12/9/2012</a:t>
+              <a:t>2/8/2020</a:t>
             </a:fld>
             <a:endParaRPr lang="en-US"/>
           </a:p>
@@ -2784,8 +2802,8 @@
         </p:nvSpPr>
         <p:spPr>
           <a:xfrm>
-            <a:off x="457200" y="2362200"/>
-            <a:ext cx="3657600" cy="3886200"/>
+            <a:off x="609600" y="2362200"/>
+            <a:ext cx="4876800" cy="3886200"/>
           </a:xfrm>
         </p:spPr>
         <p:txBody>
@@ -2841,8 +2859,8 @@
         </p:nvSpPr>
         <p:spPr>
           <a:xfrm>
-            <a:off x="4371975" y="2362200"/>
-            <a:ext cx="3657600" cy="3886200"/>
+            <a:off x="5829300" y="2362200"/>
+            <a:ext cx="4876800" cy="3886200"/>
           </a:xfrm>
         </p:spPr>
         <p:txBody>
@@ -2898,8 +2916,8 @@
         </p:nvSpPr>
         <p:spPr>
           <a:xfrm>
-            <a:off x="457200" y="1569720"/>
-            <a:ext cx="3657600" cy="658368"/>
+            <a:off x="609600" y="1569720"/>
+            <a:ext cx="4876800" cy="658368"/>
           </a:xfrm>
           <a:prstGeom prst="roundRect">
             <a:avLst>
@@ -2946,8 +2964,8 @@
         </p:nvSpPr>
         <p:spPr>
           <a:xfrm>
-            <a:off x="4343400" y="1569720"/>
-            <a:ext cx="3657600" cy="658368"/>
+            <a:off x="5791200" y="1569720"/>
+            <a:ext cx="4876800" cy="658368"/>
           </a:xfrm>
           <a:prstGeom prst="roundRect">
             <a:avLst>
@@ -3047,7 +3065,7 @@
           <a:p>
             <a:fld id="{74BC4726-2204-402F-8651-3DE2807316DF}" type="datetimeFigureOut">
               <a:rPr lang="en-US" smtClean="0"/>
-              <a:t>12/9/2012</a:t>
+              <a:t>2/8/2020</a:t>
             </a:fld>
             <a:endParaRPr lang="en-US"/>
           </a:p>
@@ -3137,7 +3155,7 @@
           <a:p>
             <a:fld id="{74BC4726-2204-402F-8651-3DE2807316DF}" type="datetimeFigureOut">
               <a:rPr lang="en-US" smtClean="0"/>
-              <a:t>12/9/2012</a:t>
+              <a:t>2/8/2020</a:t>
             </a:fld>
             <a:endParaRPr lang="en-US"/>
           </a:p>
@@ -3225,7 +3243,7 @@
         </p:nvSpPr>
         <p:spPr bwMode="auto">
           <a:xfrm>
-            <a:off x="8763000" y="0"/>
+            <a:off x="11684000" y="0"/>
             <a:ext cx="0" cy="6858000"/>
           </a:xfrm>
           <a:prstGeom prst="line">
@@ -3250,7 +3268,7 @@
           <a:bodyPr vert="horz" wrap="square" lIns="91440" tIns="45720" rIns="91440" bIns="45720" anchor="t" compatLnSpc="1"/>
           <a:lstStyle/>
           <a:p>
-            <a:endParaRPr kumimoji="0" lang="en-US" dirty="0"/>
+            <a:endParaRPr kumimoji="0" lang="en-US" sz="1800" dirty="0"/>
           </a:p>
         </p:txBody>
       </p:sp>
@@ -3266,8 +3284,8 @@
         </p:nvSpPr>
         <p:spPr>
           <a:xfrm rot="5400000">
-            <a:off x="3371850" y="3200400"/>
-            <a:ext cx="6309360" cy="457200"/>
+            <a:off x="5547360" y="3124200"/>
+            <a:ext cx="6309360" cy="609600"/>
           </a:xfrm>
         </p:spPr>
         <p:txBody>
@@ -3299,8 +3317,8 @@
         </p:nvSpPr>
         <p:spPr>
           <a:xfrm>
-            <a:off x="6812280" y="274320"/>
-            <a:ext cx="1527048" cy="4983480"/>
+            <a:off x="9083040" y="274320"/>
+            <a:ext cx="2036064" cy="4983480"/>
           </a:xfrm>
         </p:spPr>
         <p:txBody>
@@ -3352,7 +3370,7 @@
         </p:nvSpPr>
         <p:spPr bwMode="auto">
           <a:xfrm>
-            <a:off x="6248400" y="0"/>
+            <a:off x="8331200" y="0"/>
             <a:ext cx="0" cy="6858000"/>
           </a:xfrm>
           <a:prstGeom prst="line">
@@ -3376,7 +3394,7 @@
           <a:bodyPr vert="horz" wrap="square" lIns="91440" tIns="45720" rIns="91440" bIns="45720" anchor="t" compatLnSpc="1"/>
           <a:lstStyle/>
           <a:p>
-            <a:endParaRPr kumimoji="0" lang="en-US" dirty="0"/>
+            <a:endParaRPr kumimoji="0" lang="en-US" sz="1800" dirty="0"/>
           </a:p>
         </p:txBody>
       </p:sp>
@@ -3390,7 +3408,7 @@
         </p:nvSpPr>
         <p:spPr bwMode="auto">
           <a:xfrm>
-            <a:off x="6192296" y="0"/>
+            <a:off x="8256395" y="0"/>
             <a:ext cx="0" cy="6858000"/>
           </a:xfrm>
           <a:prstGeom prst="line">
@@ -3412,7 +3430,7 @@
           <a:bodyPr vert="horz" wrap="square" lIns="91440" tIns="45720" rIns="91440" bIns="45720" anchor="t" compatLnSpc="1"/>
           <a:lstStyle/>
           <a:p>
-            <a:endParaRPr kumimoji="0" lang="en-US" dirty="0"/>
+            <a:endParaRPr kumimoji="0" lang="en-US" sz="1800" dirty="0"/>
           </a:p>
         </p:txBody>
       </p:sp>
@@ -3426,7 +3444,7 @@
         </p:nvSpPr>
         <p:spPr bwMode="auto">
           <a:xfrm>
-            <a:off x="8991600" y="0"/>
+            <a:off x="11988800" y="0"/>
             <a:ext cx="0" cy="6858000"/>
           </a:xfrm>
           <a:prstGeom prst="line">
@@ -3448,7 +3466,7 @@
           <a:bodyPr vert="horz" wrap="square" lIns="91440" tIns="45720" rIns="91440" bIns="45720" anchor="t" compatLnSpc="1"/>
           <a:lstStyle/>
           <a:p>
-            <a:endParaRPr kumimoji="0" lang="en-US"/>
+            <a:endParaRPr kumimoji="0" lang="en-US" sz="1800"/>
           </a:p>
         </p:txBody>
       </p:sp>
@@ -3460,8 +3478,8 @@
         </p:nvSpPr>
         <p:spPr bwMode="auto">
           <a:xfrm>
-            <a:off x="8839200" y="0"/>
-            <a:ext cx="304800" cy="6858000"/>
+            <a:off x="11785600" y="0"/>
+            <a:ext cx="406400" cy="6858000"/>
           </a:xfrm>
           <a:prstGeom prst="rect">
             <a:avLst/>
@@ -3497,7 +3515,7 @@
           <a:lstStyle/>
           <a:p>
             <a:pPr algn="ctr" eaLnBrk="1" latinLnBrk="0" hangingPunct="1"/>
-            <a:endParaRPr kumimoji="0" lang="en-US"/>
+            <a:endParaRPr kumimoji="0" lang="en-US" sz="1800"/>
           </a:p>
         </p:txBody>
       </p:sp>
@@ -3511,7 +3529,7 @@
         </p:nvSpPr>
         <p:spPr bwMode="auto">
           <a:xfrm>
-            <a:off x="8915400" y="0"/>
+            <a:off x="11887200" y="0"/>
             <a:ext cx="0" cy="6858000"/>
           </a:xfrm>
           <a:prstGeom prst="line">
@@ -3533,7 +3551,7 @@
           <a:bodyPr vert="horz" wrap="square" lIns="91440" tIns="45720" rIns="91440" bIns="45720" anchor="t" compatLnSpc="1"/>
           <a:lstStyle/>
           <a:p>
-            <a:endParaRPr kumimoji="0" lang="en-US"/>
+            <a:endParaRPr kumimoji="0" lang="en-US" sz="1800"/>
           </a:p>
         </p:txBody>
       </p:sp>
@@ -3545,8 +3563,8 @@
         </p:nvSpPr>
         <p:spPr>
           <a:xfrm>
-            <a:off x="8156448" y="5715000"/>
-            <a:ext cx="548640" cy="548640"/>
+            <a:off x="10875264" y="5715000"/>
+            <a:ext cx="731520" cy="548640"/>
           </a:xfrm>
           <a:prstGeom prst="ellipse">
             <a:avLst/>
@@ -3576,7 +3594,7 @@
           <a:lstStyle/>
           <a:p>
             <a:pPr algn="ctr" eaLnBrk="1" latinLnBrk="0" hangingPunct="1"/>
-            <a:endParaRPr kumimoji="0" lang="en-US" dirty="0"/>
+            <a:endParaRPr kumimoji="0" lang="en-US" sz="1800" dirty="0"/>
           </a:p>
         </p:txBody>
       </p:sp>
@@ -3592,8 +3610,8 @@
         </p:nvSpPr>
         <p:spPr>
           <a:xfrm>
-            <a:off x="304800" y="274320"/>
-            <a:ext cx="5638800" cy="6327648"/>
+            <a:off x="406400" y="274320"/>
+            <a:ext cx="7518400" cy="6327648"/>
           </a:xfrm>
         </p:spPr>
         <p:txBody>
@@ -3654,7 +3672,7 @@
           <a:p>
             <a:fld id="{74BC4726-2204-402F-8651-3DE2807316DF}" type="datetimeFigureOut">
               <a:rPr lang="en-US" smtClean="0"/>
-              <a:t>12/9/2012</a:t>
+              <a:t>2/8/2020</a:t>
             </a:fld>
             <a:endParaRPr lang="en-US"/>
           </a:p>
@@ -3737,7 +3755,7 @@
         </p:nvSpPr>
         <p:spPr bwMode="auto">
           <a:xfrm>
-            <a:off x="8763000" y="0"/>
+            <a:off x="11684000" y="0"/>
             <a:ext cx="0" cy="6858000"/>
           </a:xfrm>
           <a:prstGeom prst="line">
@@ -3761,7 +3779,7 @@
           <a:bodyPr vert="horz" wrap="square" lIns="91440" tIns="45720" rIns="91440" bIns="45720" anchor="t" compatLnSpc="1"/>
           <a:lstStyle/>
           <a:p>
-            <a:endParaRPr kumimoji="0" lang="en-US"/>
+            <a:endParaRPr kumimoji="0" lang="en-US" sz="1800"/>
           </a:p>
         </p:txBody>
       </p:sp>
@@ -3773,8 +3791,8 @@
         </p:nvSpPr>
         <p:spPr>
           <a:xfrm>
-            <a:off x="8156448" y="5715000"/>
-            <a:ext cx="548640" cy="548640"/>
+            <a:off x="10875264" y="5715000"/>
+            <a:ext cx="731520" cy="548640"/>
           </a:xfrm>
           <a:prstGeom prst="ellipse">
             <a:avLst/>
@@ -3804,7 +3822,7 @@
           <a:lstStyle/>
           <a:p>
             <a:pPr algn="ctr" eaLnBrk="1" latinLnBrk="0" hangingPunct="1"/>
-            <a:endParaRPr kumimoji="0" lang="en-US" dirty="0"/>
+            <a:endParaRPr kumimoji="0" lang="en-US" sz="1800" dirty="0"/>
           </a:p>
         </p:txBody>
       </p:sp>
@@ -3820,8 +3838,8 @@
         </p:nvSpPr>
         <p:spPr>
           <a:xfrm rot="5400000">
-            <a:off x="3350133" y="3200400"/>
-            <a:ext cx="6309360" cy="457200"/>
+            <a:off x="5518404" y="3124200"/>
+            <a:ext cx="6309360" cy="609600"/>
           </a:xfrm>
         </p:spPr>
         <p:txBody>
@@ -3854,7 +3872,7 @@
         <p:spPr>
           <a:xfrm>
             <a:off x="0" y="0"/>
-            <a:ext cx="6172200" cy="6858000"/>
+            <a:ext cx="8229600" cy="6858000"/>
           </a:xfrm>
           <a:solidFill>
             <a:schemeClr val="bg2"/>
@@ -3912,8 +3930,8 @@
         </p:nvSpPr>
         <p:spPr>
           <a:xfrm>
-            <a:off x="6765798" y="264795"/>
-            <a:ext cx="1524000" cy="4956048"/>
+            <a:off x="9021064" y="264795"/>
+            <a:ext cx="2032000" cy="4956048"/>
           </a:xfrm>
         </p:spPr>
         <p:txBody>
@@ -3964,7 +3982,7 @@
         </p:nvSpPr>
         <p:spPr bwMode="auto">
           <a:xfrm>
-            <a:off x="8991600" y="0"/>
+            <a:off x="11988800" y="0"/>
             <a:ext cx="0" cy="6858000"/>
           </a:xfrm>
           <a:prstGeom prst="line">
@@ -3986,7 +4004,7 @@
           <a:bodyPr vert="horz" wrap="square" lIns="91440" tIns="45720" rIns="91440" bIns="45720" anchor="t" compatLnSpc="1"/>
           <a:lstStyle/>
           <a:p>
-            <a:endParaRPr kumimoji="0" lang="en-US"/>
+            <a:endParaRPr kumimoji="0" lang="en-US" sz="1800"/>
           </a:p>
         </p:txBody>
       </p:sp>
@@ -3998,8 +4016,8 @@
         </p:nvSpPr>
         <p:spPr bwMode="auto">
           <a:xfrm>
-            <a:off x="8839200" y="0"/>
-            <a:ext cx="304800" cy="6858000"/>
+            <a:off x="11785600" y="0"/>
+            <a:ext cx="406400" cy="6858000"/>
           </a:xfrm>
           <a:prstGeom prst="rect">
             <a:avLst/>
@@ -4034,7 +4052,7 @@
           <a:lstStyle/>
           <a:p>
             <a:pPr algn="ctr" eaLnBrk="1" latinLnBrk="0" hangingPunct="1"/>
-            <a:endParaRPr kumimoji="0" lang="en-US"/>
+            <a:endParaRPr kumimoji="0" lang="en-US" sz="1800"/>
           </a:p>
         </p:txBody>
       </p:sp>
@@ -4048,7 +4066,7 @@
         </p:nvSpPr>
         <p:spPr bwMode="auto">
           <a:xfrm>
-            <a:off x="8915400" y="0"/>
+            <a:off x="11887200" y="0"/>
             <a:ext cx="0" cy="6858000"/>
           </a:xfrm>
           <a:prstGeom prst="line">
@@ -4070,7 +4088,7 @@
           <a:bodyPr vert="horz" wrap="square" lIns="91440" tIns="45720" rIns="91440" bIns="45720" anchor="t" compatLnSpc="1"/>
           <a:lstStyle/>
           <a:p>
-            <a:endParaRPr kumimoji="0" lang="en-US"/>
+            <a:endParaRPr kumimoji="0" lang="en-US" sz="1800"/>
           </a:p>
         </p:txBody>
       </p:sp>
@@ -4084,7 +4102,7 @@
         </p:nvSpPr>
         <p:spPr bwMode="auto">
           <a:xfrm>
-            <a:off x="6248400" y="0"/>
+            <a:off x="8331200" y="0"/>
             <a:ext cx="0" cy="6858000"/>
           </a:xfrm>
           <a:prstGeom prst="line">
@@ -4108,7 +4126,7 @@
           <a:bodyPr vert="horz" wrap="square" lIns="91440" tIns="45720" rIns="91440" bIns="45720" anchor="t" compatLnSpc="1"/>
           <a:lstStyle/>
           <a:p>
-            <a:endParaRPr kumimoji="0" lang="en-US" dirty="0"/>
+            <a:endParaRPr kumimoji="0" lang="en-US" sz="1800" dirty="0"/>
           </a:p>
         </p:txBody>
       </p:sp>
@@ -4122,7 +4140,7 @@
         </p:nvSpPr>
         <p:spPr bwMode="auto">
           <a:xfrm>
-            <a:off x="6192296" y="0"/>
+            <a:off x="8256395" y="0"/>
             <a:ext cx="0" cy="6858000"/>
           </a:xfrm>
           <a:prstGeom prst="line">
@@ -4144,7 +4162,7 @@
           <a:bodyPr vert="horz" wrap="square" lIns="91440" tIns="45720" rIns="91440" bIns="45720" anchor="t" compatLnSpc="1"/>
           <a:lstStyle/>
           <a:p>
-            <a:endParaRPr kumimoji="0" lang="en-US" dirty="0"/>
+            <a:endParaRPr kumimoji="0" lang="en-US" sz="1800" dirty="0"/>
           </a:p>
         </p:txBody>
       </p:sp>
@@ -4165,7 +4183,7 @@
           <a:p>
             <a:fld id="{74BC4726-2204-402F-8651-3DE2807316DF}" type="datetimeFigureOut">
               <a:rPr lang="en-US" smtClean="0"/>
-              <a:t>12/9/2012</a:t>
+              <a:t>2/8/2020</a:t>
             </a:fld>
             <a:endParaRPr lang="en-US"/>
           </a:p>
@@ -4253,7 +4271,7 @@
         </p:nvSpPr>
         <p:spPr bwMode="auto">
           <a:xfrm>
-            <a:off x="8763000" y="0"/>
+            <a:off x="11684000" y="0"/>
             <a:ext cx="0" cy="6858000"/>
           </a:xfrm>
           <a:prstGeom prst="line">
@@ -4278,7 +4296,7 @@
           <a:bodyPr vert="horz" wrap="square" lIns="91440" tIns="45720" rIns="91440" bIns="45720" anchor="t" compatLnSpc="1"/>
           <a:lstStyle/>
           <a:p>
-            <a:endParaRPr kumimoji="0" lang="en-US" dirty="0"/>
+            <a:endParaRPr kumimoji="0" lang="en-US" sz="1800" dirty="0"/>
           </a:p>
         </p:txBody>
       </p:sp>
@@ -4294,8 +4312,8 @@
         </p:nvSpPr>
         <p:spPr>
           <a:xfrm>
-            <a:off x="457200" y="274638"/>
-            <a:ext cx="7467600" cy="1143000"/>
+            <a:off x="609600" y="274638"/>
+            <a:ext cx="9956800" cy="1143000"/>
           </a:xfrm>
           <a:prstGeom prst="rect">
             <a:avLst/>
@@ -4327,8 +4345,8 @@
         </p:nvSpPr>
         <p:spPr>
           <a:xfrm>
-            <a:off x="457200" y="1600200"/>
-            <a:ext cx="7467600" cy="4873752"/>
+            <a:off x="609600" y="1600200"/>
+            <a:ext cx="9956800" cy="4873752"/>
           </a:xfrm>
           <a:prstGeom prst="rect">
             <a:avLst/>
@@ -4389,8 +4407,8 @@
         </p:nvSpPr>
         <p:spPr>
           <a:xfrm rot="5400000">
-            <a:off x="7589520" y="1081851"/>
-            <a:ext cx="2011680" cy="384048"/>
+            <a:off x="10454640" y="1017843"/>
+            <a:ext cx="2011680" cy="512064"/>
           </a:xfrm>
           <a:prstGeom prst="rect">
             <a:avLst/>
@@ -4410,7 +4428,7 @@
           <a:p>
             <a:fld id="{74BC4726-2204-402F-8651-3DE2807316DF}" type="datetimeFigureOut">
               <a:rPr lang="en-US" smtClean="0"/>
-              <a:t>12/9/2012</a:t>
+              <a:t>2/8/2020</a:t>
             </a:fld>
             <a:endParaRPr lang="en-US"/>
           </a:p>
@@ -4428,8 +4446,8 @@
         </p:nvSpPr>
         <p:spPr>
           <a:xfrm rot="5400000">
-            <a:off x="6990186" y="3737240"/>
-            <a:ext cx="3200400" cy="365760"/>
+            <a:off x="9853648" y="3676280"/>
+            <a:ext cx="3200400" cy="487680"/>
           </a:xfrm>
           <a:prstGeom prst="rect">
             <a:avLst/>
@@ -4461,7 +4479,7 @@
         </p:nvSpPr>
         <p:spPr bwMode="auto">
           <a:xfrm>
-            <a:off x="76200" y="0"/>
+            <a:off x="101600" y="0"/>
             <a:ext cx="0" cy="6858000"/>
           </a:xfrm>
           <a:prstGeom prst="line">
@@ -4485,7 +4503,7 @@
           <a:bodyPr vert="horz" wrap="square" lIns="91440" tIns="45720" rIns="91440" bIns="45720" anchor="t" compatLnSpc="1"/>
           <a:lstStyle/>
           <a:p>
-            <a:endParaRPr kumimoji="0" lang="en-US"/>
+            <a:endParaRPr kumimoji="0" lang="en-US" sz="1800"/>
           </a:p>
         </p:txBody>
       </p:sp>
@@ -4499,7 +4517,7 @@
         </p:nvSpPr>
         <p:spPr bwMode="auto">
           <a:xfrm>
-            <a:off x="8991600" y="0"/>
+            <a:off x="11988800" y="0"/>
             <a:ext cx="0" cy="6858000"/>
           </a:xfrm>
           <a:prstGeom prst="line">
@@ -4521,7 +4539,7 @@
           <a:bodyPr vert="horz" wrap="square" lIns="91440" tIns="45720" rIns="91440" bIns="45720" anchor="t" compatLnSpc="1"/>
           <a:lstStyle/>
           <a:p>
-            <a:endParaRPr kumimoji="0" lang="en-US"/>
+            <a:endParaRPr kumimoji="0" lang="en-US" sz="1800"/>
           </a:p>
         </p:txBody>
       </p:sp>
@@ -4533,8 +4551,8 @@
         </p:nvSpPr>
         <p:spPr bwMode="auto">
           <a:xfrm>
-            <a:off x="8839200" y="0"/>
-            <a:ext cx="304800" cy="6858000"/>
+            <a:off x="11785600" y="0"/>
+            <a:ext cx="406400" cy="6858000"/>
           </a:xfrm>
           <a:prstGeom prst="rect">
             <a:avLst/>
@@ -4570,7 +4588,7 @@
           <a:lstStyle/>
           <a:p>
             <a:pPr algn="ctr" eaLnBrk="1" latinLnBrk="0" hangingPunct="1"/>
-            <a:endParaRPr kumimoji="0" lang="en-US"/>
+            <a:endParaRPr kumimoji="0" lang="en-US" sz="1800"/>
           </a:p>
         </p:txBody>
       </p:sp>
@@ -4584,7 +4602,7 @@
         </p:nvSpPr>
         <p:spPr bwMode="auto">
           <a:xfrm>
-            <a:off x="8915400" y="0"/>
+            <a:off x="11887200" y="0"/>
             <a:ext cx="0" cy="6858000"/>
           </a:xfrm>
           <a:prstGeom prst="line">
@@ -4606,7 +4624,7 @@
           <a:bodyPr vert="horz" wrap="square" lIns="91440" tIns="45720" rIns="91440" bIns="45720" anchor="t" compatLnSpc="1"/>
           <a:lstStyle/>
           <a:p>
-            <a:endParaRPr kumimoji="0" lang="en-US"/>
+            <a:endParaRPr kumimoji="0" lang="en-US" sz="1800"/>
           </a:p>
         </p:txBody>
       </p:sp>
@@ -4618,8 +4636,8 @@
         </p:nvSpPr>
         <p:spPr>
           <a:xfrm>
-            <a:off x="8156448" y="5715000"/>
-            <a:ext cx="548640" cy="548640"/>
+            <a:off x="10875264" y="5715000"/>
+            <a:ext cx="731520" cy="548640"/>
           </a:xfrm>
           <a:prstGeom prst="ellipse">
             <a:avLst/>
@@ -4649,7 +4667,7 @@
           <a:lstStyle/>
           <a:p>
             <a:pPr algn="ctr" eaLnBrk="1" latinLnBrk="0" hangingPunct="1"/>
-            <a:endParaRPr kumimoji="0" lang="en-US" dirty="0"/>
+            <a:endParaRPr kumimoji="0" lang="en-US" sz="1800" dirty="0"/>
           </a:p>
         </p:txBody>
       </p:sp>
@@ -4665,8 +4683,8 @@
         </p:nvSpPr>
         <p:spPr>
           <a:xfrm>
-            <a:off x="8129016" y="5734050"/>
-            <a:ext cx="609600" cy="521208"/>
+            <a:off x="10838688" y="5734050"/>
+            <a:ext cx="812800" cy="521208"/>
           </a:xfrm>
           <a:prstGeom prst="rect">
             <a:avLst/>
@@ -5033,7 +5051,7 @@
           <a:lstStyle/>
           <a:p>
             <a:r>
-              <a:rPr lang="zh-CN" altLang="en-US" sz="8800" dirty="0" smtClean="0"/>
+              <a:rPr lang="zh-CN" altLang="en-US" sz="8800" dirty="0"/>
               <a:t>切實相愛</a:t>
             </a:r>
             <a:endParaRPr lang="en-US" sz="8800" dirty="0"/>
@@ -5274,8 +5292,8 @@
         </p:nvSpPr>
         <p:spPr>
           <a:xfrm>
-            <a:off x="0" y="0"/>
-            <a:ext cx="9144000" cy="6858000"/>
+            <a:off x="152400" y="0"/>
+            <a:ext cx="11582400" cy="6858000"/>
           </a:xfrm>
         </p:spPr>
         <p:txBody>
@@ -5285,25 +5303,33 @@
           <a:lstStyle/>
           <a:p>
             <a:r>
-              <a:rPr lang="zh-TW" altLang="en-US" sz="5400" dirty="0" smtClean="0"/>
+              <a:rPr lang="zh-TW" altLang="en-US" sz="6400" dirty="0">
+                <a:latin typeface="Microsoft JhengHei" panose="020B0604030504040204" pitchFamily="34" charset="-120"/>
+                <a:ea typeface="Microsoft JhengHei" panose="020B0604030504040204" pitchFamily="34" charset="-120"/>
+              </a:rPr>
               <a:t>主為我們捨命，我們從此就知道何為愛；我們也當為弟兄捨命。</a:t>
             </a:r>
             <a:r>
-              <a:rPr lang="en-US" altLang="zh-TW" sz="5400" dirty="0" smtClean="0"/>
+              <a:rPr lang="en-US" altLang="zh-TW" sz="6400" dirty="0">
+                <a:latin typeface="Microsoft JhengHei" panose="020B0604030504040204" pitchFamily="34" charset="-120"/>
+                <a:ea typeface="Microsoft JhengHei" panose="020B0604030504040204" pitchFamily="34" charset="-120"/>
+              </a:rPr>
               <a:t> </a:t>
             </a:r>
           </a:p>
           <a:p>
             <a:r>
-              <a:rPr lang="zh-TW" altLang="en-US" sz="5400" b="1" dirty="0" smtClean="0"/>
-              <a:t>凡</a:t>
-            </a:r>
-            <a:r>
-              <a:rPr lang="zh-TW" altLang="en-US" sz="5400" b="1" dirty="0" smtClean="0"/>
-              <a:t>有世上財物的，看見弟兄窮乏，卻塞住憐恤的心，愛神的心怎能存在他裡面呢？</a:t>
-            </a:r>
-            <a:r>
-              <a:rPr lang="en-US" altLang="zh-TW" sz="5400" b="1" dirty="0" smtClean="0"/>
+              <a:rPr lang="zh-TW" altLang="en-US" sz="6400" b="1" dirty="0">
+                <a:latin typeface="Microsoft JhengHei" panose="020B0604030504040204" pitchFamily="34" charset="-120"/>
+                <a:ea typeface="Microsoft JhengHei" panose="020B0604030504040204" pitchFamily="34" charset="-120"/>
+              </a:rPr>
+              <a:t>凡有世上財物的，看見弟兄窮乏，卻塞住憐恤的心，愛神的心怎能存在他裡面呢？</a:t>
+            </a:r>
+            <a:r>
+              <a:rPr lang="en-US" altLang="zh-TW" sz="6400" b="1" dirty="0">
+                <a:latin typeface="Microsoft JhengHei" panose="020B0604030504040204" pitchFamily="34" charset="-120"/>
+                <a:ea typeface="Microsoft JhengHei" panose="020B0604030504040204" pitchFamily="34" charset="-120"/>
+              </a:rPr>
               <a:t> </a:t>
             </a:r>
           </a:p>
@@ -5346,8 +5372,8 @@
         </p:nvSpPr>
         <p:spPr>
           <a:xfrm>
-            <a:off x="0" y="0"/>
-            <a:ext cx="9144000" cy="6858000"/>
+            <a:off x="152400" y="0"/>
+            <a:ext cx="11582400" cy="6858000"/>
           </a:xfrm>
         </p:spPr>
         <p:txBody>
@@ -5357,32 +5383,47 @@
           <a:lstStyle/>
           <a:p>
             <a:r>
-              <a:rPr lang="zh-TW" altLang="en-US" sz="5400" dirty="0" smtClean="0"/>
+              <a:rPr lang="zh-TW" altLang="en-US" sz="6400" dirty="0">
+                <a:latin typeface="Microsoft JhengHei" panose="020B0604030504040204" pitchFamily="34" charset="-120"/>
+                <a:ea typeface="Microsoft JhengHei" panose="020B0604030504040204" pitchFamily="34" charset="-120"/>
+              </a:rPr>
               <a:t>小子們哪，我們相愛，不要只在言語和舌頭上，總要在行為和誠實上。</a:t>
             </a:r>
             <a:r>
-              <a:rPr lang="en-US" altLang="zh-TW" sz="5400" dirty="0" smtClean="0"/>
+              <a:rPr lang="en-US" altLang="zh-TW" sz="6400" dirty="0">
+                <a:latin typeface="Microsoft JhengHei" panose="020B0604030504040204" pitchFamily="34" charset="-120"/>
+                <a:ea typeface="Microsoft JhengHei" panose="020B0604030504040204" pitchFamily="34" charset="-120"/>
+              </a:rPr>
               <a:t> </a:t>
             </a:r>
-            <a:endParaRPr lang="en-US" altLang="zh-TW" sz="5400" dirty="0" smtClean="0"/>
-          </a:p>
-          <a:p>
-            <a:r>
-              <a:rPr lang="zh-TW" altLang="en-US" sz="5400" b="1" dirty="0" smtClean="0"/>
-              <a:t>所以，我們務要追求和睦的事與彼此建立德行的事</a:t>
-            </a:r>
-            <a:r>
-              <a:rPr lang="zh-TW" altLang="en-US" sz="5400" b="1" dirty="0" smtClean="0"/>
-              <a:t>。</a:t>
-            </a:r>
-            <a:endParaRPr lang="en-US" altLang="zh-TW" sz="5400" b="1" dirty="0" smtClean="0"/>
-          </a:p>
-          <a:p>
-            <a:endParaRPr lang="en-US" altLang="zh-TW" sz="5400" b="1" dirty="0" smtClean="0"/>
+          </a:p>
+          <a:p>
+            <a:r>
+              <a:rPr lang="zh-TW" altLang="en-US" sz="6400" b="1" dirty="0">
+                <a:latin typeface="Microsoft JhengHei" panose="020B0604030504040204" pitchFamily="34" charset="-120"/>
+                <a:ea typeface="Microsoft JhengHei" panose="020B0604030504040204" pitchFamily="34" charset="-120"/>
+              </a:rPr>
+              <a:t>所以，我們務要追求和睦的事與彼此建立德行的事。</a:t>
+            </a:r>
+            <a:endParaRPr lang="en-US" altLang="zh-TW" sz="6400" b="1" dirty="0">
+              <a:latin typeface="Microsoft JhengHei" panose="020B0604030504040204" pitchFamily="34" charset="-120"/>
+              <a:ea typeface="Microsoft JhengHei" panose="020B0604030504040204" pitchFamily="34" charset="-120"/>
+            </a:endParaRPr>
+          </a:p>
+          <a:p>
+            <a:endParaRPr lang="en-US" altLang="zh-TW" sz="6400" b="1" dirty="0">
+              <a:latin typeface="Microsoft JhengHei" panose="020B0604030504040204" pitchFamily="34" charset="-120"/>
+              <a:ea typeface="Microsoft JhengHei" panose="020B0604030504040204" pitchFamily="34" charset="-120"/>
+            </a:endParaRPr>
           </a:p>
         </p:txBody>
       </p:sp>
     </p:spTree>
+    <p:extLst>
+      <p:ext uri="{BB962C8B-B14F-4D97-AF65-F5344CB8AC3E}">
+        <p14:creationId xmlns:p14="http://schemas.microsoft.com/office/powerpoint/2010/main" val="590262843"/>
+      </p:ext>
+    </p:extLst>
   </p:cSld>
   <p:clrMapOvr>
     <a:masterClrMapping/>
@@ -5419,8 +5460,8 @@
         </p:nvSpPr>
         <p:spPr>
           <a:xfrm>
-            <a:off x="0" y="0"/>
-            <a:ext cx="9144000" cy="6858000"/>
+            <a:off x="152400" y="0"/>
+            <a:ext cx="11582400" cy="6858000"/>
           </a:xfrm>
         </p:spPr>
         <p:txBody>
@@ -5430,41 +5471,38 @@
           <a:lstStyle/>
           <a:p>
             <a:r>
-              <a:rPr lang="zh-TW" altLang="en-US" sz="5400" dirty="0" smtClean="0"/>
-              <a:t>你們既因順從真理，潔淨了自己的心，以致愛弟兄沒有虛假，就當從心</a:t>
-            </a:r>
-            <a:r>
-              <a:rPr lang="zh-TW" altLang="en-US" sz="5400" dirty="0" smtClean="0"/>
-              <a:t>裡彼</a:t>
-            </a:r>
-            <a:r>
-              <a:rPr lang="zh-TW" altLang="en-US" sz="5400" dirty="0" smtClean="0"/>
-              <a:t>此切實相愛</a:t>
-            </a:r>
-            <a:r>
-              <a:rPr lang="zh-TW" altLang="en-US" sz="5400" dirty="0" smtClean="0"/>
-              <a:t>。</a:t>
-            </a:r>
-            <a:endParaRPr lang="en-US" altLang="zh-TW" sz="5400" dirty="0" smtClean="0"/>
-          </a:p>
-          <a:p>
-            <a:r>
-              <a:rPr lang="zh-TW" altLang="en-US" sz="5400" b="1" dirty="0" smtClean="0"/>
-              <a:t>凡事謙虛、溫柔、忍耐，用愛心互相寬容</a:t>
-            </a:r>
-            <a:r>
-              <a:rPr lang="zh-TW" altLang="en-US" sz="5400" b="1" dirty="0" smtClean="0"/>
-              <a:t>，</a:t>
-            </a:r>
-            <a:r>
-              <a:rPr lang="zh-TW" altLang="en-US" sz="5400" b="1" dirty="0" smtClean="0"/>
-              <a:t>聖徒缺乏要幫補；客要一味的款待。</a:t>
-            </a:r>
-            <a:endParaRPr lang="en-US" altLang="zh-TW" sz="5400" b="1" dirty="0" smtClean="0"/>
+              <a:rPr lang="zh-TW" altLang="en-US" sz="6400" dirty="0">
+                <a:latin typeface="Microsoft JhengHei" panose="020B0604030504040204" pitchFamily="34" charset="-120"/>
+                <a:ea typeface="Microsoft JhengHei" panose="020B0604030504040204" pitchFamily="34" charset="-120"/>
+              </a:rPr>
+              <a:t>你們既因順從真理，潔淨了自己的心，以致愛弟兄沒有虛假，就當從心裡彼此切實相愛。</a:t>
+            </a:r>
+            <a:endParaRPr lang="en-US" altLang="zh-TW" sz="6400" dirty="0">
+              <a:latin typeface="Microsoft JhengHei" panose="020B0604030504040204" pitchFamily="34" charset="-120"/>
+              <a:ea typeface="Microsoft JhengHei" panose="020B0604030504040204" pitchFamily="34" charset="-120"/>
+            </a:endParaRPr>
+          </a:p>
+          <a:p>
+            <a:r>
+              <a:rPr lang="zh-TW" altLang="en-US" sz="6400" b="1" dirty="0">
+                <a:latin typeface="Microsoft JhengHei" panose="020B0604030504040204" pitchFamily="34" charset="-120"/>
+                <a:ea typeface="Microsoft JhengHei" panose="020B0604030504040204" pitchFamily="34" charset="-120"/>
+              </a:rPr>
+              <a:t>凡事謙虛、溫柔、忍耐，用愛心互相寬容，聖徒缺乏要幫補；客要一味的款待。</a:t>
+            </a:r>
+            <a:endParaRPr lang="en-US" altLang="zh-TW" sz="6400" b="1" dirty="0">
+              <a:latin typeface="Microsoft JhengHei" panose="020B0604030504040204" pitchFamily="34" charset="-120"/>
+              <a:ea typeface="Microsoft JhengHei" panose="020B0604030504040204" pitchFamily="34" charset="-120"/>
+            </a:endParaRPr>
           </a:p>
         </p:txBody>
       </p:sp>
     </p:spTree>
+    <p:extLst>
+      <p:ext uri="{BB962C8B-B14F-4D97-AF65-F5344CB8AC3E}">
+        <p14:creationId xmlns:p14="http://schemas.microsoft.com/office/powerpoint/2010/main" val="2965753621"/>
+      </p:ext>
+    </p:extLst>
   </p:cSld>
   <p:clrMapOvr>
     <a:masterClrMapping/>
@@ -5501,8 +5539,8 @@
         </p:nvSpPr>
         <p:spPr>
           <a:xfrm>
-            <a:off x="0" y="0"/>
-            <a:ext cx="9144000" cy="6858000"/>
+            <a:off x="152400" y="0"/>
+            <a:ext cx="11582400" cy="6858000"/>
           </a:xfrm>
         </p:spPr>
         <p:txBody>
@@ -5512,33 +5550,32 @@
           <a:lstStyle/>
           <a:p>
             <a:r>
-              <a:rPr lang="zh-TW" altLang="en-US" sz="5400" dirty="0" smtClean="0"/>
-              <a:t>與喜樂的人要同樂；與哀哭的人要同哭</a:t>
-            </a:r>
-            <a:r>
-              <a:rPr lang="zh-TW" altLang="en-US" sz="5400" dirty="0" smtClean="0"/>
+              <a:rPr lang="zh-TW" altLang="en-US" sz="6400" dirty="0">
+                <a:latin typeface="Microsoft JhengHei" panose="020B0604030504040204" pitchFamily="34" charset="-120"/>
+                <a:ea typeface="Microsoft JhengHei" panose="020B0604030504040204" pitchFamily="34" charset="-120"/>
+              </a:rPr>
+              <a:t>與喜樂的人要同樂；與哀哭的人要同哭。污穢的言語一句不可出口，只要隨事說造就人的好話，叫聽見的人得益處</a:t>
+            </a:r>
+            <a:r>
+              <a:rPr lang="zh-TW" altLang="en-US" sz="6400" dirty="0" smtClean="0">
+                <a:latin typeface="Microsoft JhengHei" panose="020B0604030504040204" pitchFamily="34" charset="-120"/>
+                <a:ea typeface="Microsoft JhengHei" panose="020B0604030504040204" pitchFamily="34" charset="-120"/>
+              </a:rPr>
               <a:t>。</a:t>
             </a:r>
-            <a:r>
-              <a:rPr lang="zh-TW" altLang="en-US" sz="5400" dirty="0" smtClean="0"/>
-              <a:t>污穢的言語一句不可出口，只要隨事說造就人的好話，叫聽見的人得益處</a:t>
-            </a:r>
-            <a:r>
-              <a:rPr lang="zh-TW" altLang="en-US" sz="5400" dirty="0" smtClean="0"/>
-              <a:t>。</a:t>
-            </a:r>
-            <a:endParaRPr lang="en-US" altLang="zh-TW" sz="5400" dirty="0" smtClean="0"/>
-          </a:p>
-          <a:p>
-            <a:r>
-              <a:rPr lang="zh-TW" altLang="en-US" sz="5400" b="1" dirty="0" smtClean="0"/>
-              <a:t>並要以恩慈相待，存憐憫的心，彼此饒恕，正如神在基督裡饒恕了你們一樣。</a:t>
-            </a:r>
-            <a:endParaRPr lang="en-US" altLang="zh-TW" sz="5400" b="1" dirty="0" smtClean="0"/>
+            <a:endParaRPr lang="en-US" altLang="zh-TW" sz="6400" dirty="0">
+              <a:latin typeface="Microsoft JhengHei" panose="020B0604030504040204" pitchFamily="34" charset="-120"/>
+              <a:ea typeface="Microsoft JhengHei" panose="020B0604030504040204" pitchFamily="34" charset="-120"/>
+            </a:endParaRPr>
           </a:p>
         </p:txBody>
       </p:sp>
     </p:spTree>
+    <p:extLst>
+      <p:ext uri="{BB962C8B-B14F-4D97-AF65-F5344CB8AC3E}">
+        <p14:creationId xmlns:p14="http://schemas.microsoft.com/office/powerpoint/2010/main" val="1852467012"/>
+      </p:ext>
+    </p:extLst>
   </p:cSld>
   <p:clrMapOvr>
     <a:masterClrMapping/>
@@ -5575,8 +5612,8 @@
         </p:nvSpPr>
         <p:spPr>
           <a:xfrm>
-            <a:off x="0" y="0"/>
-            <a:ext cx="9144000" cy="6858000"/>
+            <a:off x="152400" y="0"/>
+            <a:ext cx="11582400" cy="6858000"/>
           </a:xfrm>
         </p:spPr>
         <p:txBody>
@@ -5586,40 +5623,32 @@
           <a:lstStyle/>
           <a:p>
             <a:r>
-              <a:rPr lang="zh-TW" altLang="en-US" sz="5400" dirty="0" smtClean="0"/>
-              <a:t>各人要照所得的恩賜彼此服事，作神百般恩賜的好管家。</a:t>
-            </a:r>
-            <a:r>
-              <a:rPr lang="en-US" altLang="zh-TW" sz="5400" dirty="0" smtClean="0"/>
-              <a:t> </a:t>
-            </a:r>
-            <a:endParaRPr lang="en-US" altLang="zh-TW" sz="5400" dirty="0" smtClean="0"/>
-          </a:p>
-          <a:p>
-            <a:r>
-              <a:rPr lang="zh-TW" altLang="en-US" sz="5400" b="1" dirty="0" smtClean="0"/>
-              <a:t>最要緊的是彼此切實相愛，因為愛能遮掩許多的罪</a:t>
-            </a:r>
-            <a:r>
-              <a:rPr lang="zh-TW" altLang="en-US" sz="5400" b="1" dirty="0" smtClean="0"/>
-              <a:t>。</a:t>
-            </a:r>
-            <a:endParaRPr lang="en-US" altLang="zh-TW" sz="5400" b="1" dirty="0" smtClean="0"/>
-          </a:p>
-          <a:p>
-            <a:r>
-              <a:rPr lang="zh-TW" altLang="en-US" sz="5400" dirty="0" smtClean="0"/>
-              <a:t>總而言之，你們都要同心，彼此體恤，相愛如弟兄，存慈憐謙卑的心</a:t>
-            </a:r>
-            <a:r>
-              <a:rPr lang="zh-TW" altLang="en-US" sz="5400" dirty="0" smtClean="0"/>
-              <a:t>。</a:t>
-            </a:r>
-            <a:endParaRPr lang="en-US" altLang="zh-TW" sz="5400" dirty="0" smtClean="0"/>
+              <a:rPr lang="zh-TW" altLang="en-US" sz="6400" b="1" dirty="0" smtClean="0">
+                <a:latin typeface="Microsoft JhengHei" panose="020B0604030504040204" pitchFamily="34" charset="-120"/>
+                <a:ea typeface="Microsoft JhengHei" panose="020B0604030504040204" pitchFamily="34" charset="-120"/>
+              </a:rPr>
+              <a:t>並</a:t>
+            </a:r>
+            <a:r>
+              <a:rPr lang="zh-TW" altLang="en-US" sz="6400" b="1" dirty="0">
+                <a:latin typeface="Microsoft JhengHei" panose="020B0604030504040204" pitchFamily="34" charset="-120"/>
+                <a:ea typeface="Microsoft JhengHei" panose="020B0604030504040204" pitchFamily="34" charset="-120"/>
+              </a:rPr>
+              <a:t>要以恩慈相待，存憐憫的心，彼此饒恕，正如神在基督裡饒恕了你們一樣。</a:t>
+            </a:r>
+            <a:endParaRPr lang="en-US" altLang="zh-TW" sz="6400" b="1" dirty="0">
+              <a:latin typeface="Microsoft JhengHei" panose="020B0604030504040204" pitchFamily="34" charset="-120"/>
+              <a:ea typeface="Microsoft JhengHei" panose="020B0604030504040204" pitchFamily="34" charset="-120"/>
+            </a:endParaRPr>
           </a:p>
         </p:txBody>
       </p:sp>
     </p:spTree>
+    <p:extLst>
+      <p:ext uri="{BB962C8B-B14F-4D97-AF65-F5344CB8AC3E}">
+        <p14:creationId xmlns:p14="http://schemas.microsoft.com/office/powerpoint/2010/main" val="3075084032"/>
+      </p:ext>
+    </p:extLst>
   </p:cSld>
   <p:clrMapOvr>
     <a:masterClrMapping/>
@@ -5656,8 +5685,8 @@
         </p:nvSpPr>
         <p:spPr>
           <a:xfrm>
-            <a:off x="0" y="0"/>
-            <a:ext cx="9144000" cy="6858000"/>
+            <a:off x="152400" y="0"/>
+            <a:ext cx="11582400" cy="6858000"/>
           </a:xfrm>
         </p:spPr>
         <p:txBody>
@@ -5667,22 +5696,187 @@
           <a:lstStyle/>
           <a:p>
             <a:r>
-              <a:rPr lang="zh-TW" altLang="en-US" sz="5400" b="1" dirty="0" smtClean="0"/>
-              <a:t>能以和眾聖徒一同明白基督的愛是何等長闊高深</a:t>
-            </a:r>
-            <a:r>
-              <a:rPr lang="zh-TW" altLang="en-US" sz="5400" b="1" dirty="0" smtClean="0"/>
-              <a:t>，並</a:t>
-            </a:r>
-            <a:r>
-              <a:rPr lang="zh-TW" altLang="en-US" sz="5400" b="1" dirty="0" smtClean="0"/>
-              <a:t>知道這愛是過於人所能測度的，便叫神一切所充滿的，充滿了你們。</a:t>
-            </a:r>
-            <a:endParaRPr lang="en-US" altLang="zh-TW" sz="5400" b="1" dirty="0" smtClean="0"/>
+              <a:rPr lang="zh-TW" altLang="en-US" sz="6400" dirty="0">
+                <a:latin typeface="Microsoft JhengHei" panose="020B0604030504040204" pitchFamily="34" charset="-120"/>
+                <a:ea typeface="Microsoft JhengHei" panose="020B0604030504040204" pitchFamily="34" charset="-120"/>
+              </a:rPr>
+              <a:t>各人要照所得的恩賜彼此服事，作神百般恩賜的好管家。</a:t>
+            </a:r>
+            <a:r>
+              <a:rPr lang="en-US" altLang="zh-TW" sz="6400" dirty="0">
+                <a:latin typeface="Microsoft JhengHei" panose="020B0604030504040204" pitchFamily="34" charset="-120"/>
+                <a:ea typeface="Microsoft JhengHei" panose="020B0604030504040204" pitchFamily="34" charset="-120"/>
+              </a:rPr>
+              <a:t> </a:t>
+            </a:r>
+          </a:p>
+          <a:p>
+            <a:r>
+              <a:rPr lang="zh-TW" altLang="en-US" sz="6400" b="1" dirty="0">
+                <a:latin typeface="Microsoft JhengHei" panose="020B0604030504040204" pitchFamily="34" charset="-120"/>
+                <a:ea typeface="Microsoft JhengHei" panose="020B0604030504040204" pitchFamily="34" charset="-120"/>
+              </a:rPr>
+              <a:t>最要緊的是彼此切實相愛，因為愛能遮掩許多的罪</a:t>
+            </a:r>
+            <a:r>
+              <a:rPr lang="zh-TW" altLang="en-US" sz="6400" b="1" dirty="0" smtClean="0">
+                <a:latin typeface="Microsoft JhengHei" panose="020B0604030504040204" pitchFamily="34" charset="-120"/>
+                <a:ea typeface="Microsoft JhengHei" panose="020B0604030504040204" pitchFamily="34" charset="-120"/>
+              </a:rPr>
+              <a:t>。</a:t>
+            </a:r>
+            <a:endParaRPr lang="en-US" altLang="zh-TW" sz="6400" b="1" dirty="0">
+              <a:latin typeface="Microsoft JhengHei" panose="020B0604030504040204" pitchFamily="34" charset="-120"/>
+              <a:ea typeface="Microsoft JhengHei" panose="020B0604030504040204" pitchFamily="34" charset="-120"/>
+            </a:endParaRPr>
           </a:p>
         </p:txBody>
       </p:sp>
     </p:spTree>
+    <p:extLst>
+      <p:ext uri="{BB962C8B-B14F-4D97-AF65-F5344CB8AC3E}">
+        <p14:creationId xmlns:p14="http://schemas.microsoft.com/office/powerpoint/2010/main" val="211019336"/>
+      </p:ext>
+    </p:extLst>
+  </p:cSld>
+  <p:clrMapOvr>
+    <a:masterClrMapping/>
+  </p:clrMapOvr>
+</p:sld>
+</file>
+
+<file path=ppt/slides/slide8.xml><?xml version="1.0" encoding="utf-8"?>
+<p:sld xmlns:a="http://schemas.openxmlformats.org/drawingml/2006/main" xmlns:r="http://schemas.openxmlformats.org/officeDocument/2006/relationships" xmlns:p="http://schemas.openxmlformats.org/presentationml/2006/main">
+  <p:cSld>
+    <p:spTree>
+      <p:nvGrpSpPr>
+        <p:cNvPr id="1" name=""/>
+        <p:cNvGrpSpPr/>
+        <p:nvPr/>
+      </p:nvGrpSpPr>
+      <p:grpSpPr>
+        <a:xfrm>
+          <a:off x="0" y="0"/>
+          <a:ext cx="0" cy="0"/>
+          <a:chOff x="0" y="0"/>
+          <a:chExt cx="0" cy="0"/>
+        </a:xfrm>
+      </p:grpSpPr>
+      <p:sp>
+        <p:nvSpPr>
+          <p:cNvPr id="3" name="Content Placeholder 2"/>
+          <p:cNvSpPr>
+            <a:spLocks noGrp="1"/>
+          </p:cNvSpPr>
+          <p:nvPr>
+            <p:ph sz="quarter" idx="1"/>
+          </p:nvPr>
+        </p:nvSpPr>
+        <p:spPr>
+          <a:xfrm>
+            <a:off x="152400" y="0"/>
+            <a:ext cx="11582400" cy="6858000"/>
+          </a:xfrm>
+        </p:spPr>
+        <p:txBody>
+          <a:bodyPr>
+            <a:noAutofit/>
+          </a:bodyPr>
+          <a:lstStyle/>
+          <a:p>
+            <a:r>
+              <a:rPr lang="zh-TW" altLang="en-US" sz="6400" dirty="0" smtClean="0">
+                <a:latin typeface="Microsoft JhengHei" panose="020B0604030504040204" pitchFamily="34" charset="-120"/>
+                <a:ea typeface="Microsoft JhengHei" panose="020B0604030504040204" pitchFamily="34" charset="-120"/>
+              </a:rPr>
+              <a:t>總</a:t>
+            </a:r>
+            <a:r>
+              <a:rPr lang="zh-TW" altLang="en-US" sz="6400" dirty="0">
+                <a:latin typeface="Microsoft JhengHei" panose="020B0604030504040204" pitchFamily="34" charset="-120"/>
+                <a:ea typeface="Microsoft JhengHei" panose="020B0604030504040204" pitchFamily="34" charset="-120"/>
+              </a:rPr>
+              <a:t>而言之，你們都要同心，彼此體恤，相愛如弟兄，存慈憐謙卑的心。</a:t>
+            </a:r>
+            <a:endParaRPr lang="en-US" altLang="zh-TW" sz="6400" dirty="0">
+              <a:latin typeface="Microsoft JhengHei" panose="020B0604030504040204" pitchFamily="34" charset="-120"/>
+              <a:ea typeface="Microsoft JhengHei" panose="020B0604030504040204" pitchFamily="34" charset="-120"/>
+            </a:endParaRPr>
+          </a:p>
+        </p:txBody>
+      </p:sp>
+    </p:spTree>
+    <p:extLst>
+      <p:ext uri="{BB962C8B-B14F-4D97-AF65-F5344CB8AC3E}">
+        <p14:creationId xmlns:p14="http://schemas.microsoft.com/office/powerpoint/2010/main" val="1708681190"/>
+      </p:ext>
+    </p:extLst>
+  </p:cSld>
+  <p:clrMapOvr>
+    <a:masterClrMapping/>
+  </p:clrMapOvr>
+</p:sld>
+</file>
+
+<file path=ppt/slides/slide9.xml><?xml version="1.0" encoding="utf-8"?>
+<p:sld xmlns:a="http://schemas.openxmlformats.org/drawingml/2006/main" xmlns:r="http://schemas.openxmlformats.org/officeDocument/2006/relationships" xmlns:p="http://schemas.openxmlformats.org/presentationml/2006/main">
+  <p:cSld>
+    <p:spTree>
+      <p:nvGrpSpPr>
+        <p:cNvPr id="1" name=""/>
+        <p:cNvGrpSpPr/>
+        <p:nvPr/>
+      </p:nvGrpSpPr>
+      <p:grpSpPr>
+        <a:xfrm>
+          <a:off x="0" y="0"/>
+          <a:ext cx="0" cy="0"/>
+          <a:chOff x="0" y="0"/>
+          <a:chExt cx="0" cy="0"/>
+        </a:xfrm>
+      </p:grpSpPr>
+      <p:sp>
+        <p:nvSpPr>
+          <p:cNvPr id="3" name="Content Placeholder 2"/>
+          <p:cNvSpPr>
+            <a:spLocks noGrp="1"/>
+          </p:cNvSpPr>
+          <p:nvPr>
+            <p:ph sz="quarter" idx="1"/>
+          </p:nvPr>
+        </p:nvSpPr>
+        <p:spPr>
+          <a:xfrm>
+            <a:off x="152400" y="0"/>
+            <a:ext cx="11582400" cy="6858000"/>
+          </a:xfrm>
+        </p:spPr>
+        <p:txBody>
+          <a:bodyPr>
+            <a:noAutofit/>
+          </a:bodyPr>
+          <a:lstStyle/>
+          <a:p>
+            <a:r>
+              <a:rPr lang="zh-TW" altLang="en-US" sz="6400" b="1" dirty="0">
+                <a:latin typeface="Microsoft JhengHei" panose="020B0604030504040204" pitchFamily="34" charset="-120"/>
+                <a:ea typeface="Microsoft JhengHei" panose="020B0604030504040204" pitchFamily="34" charset="-120"/>
+              </a:rPr>
+              <a:t>能以和眾聖徒一同明白基督的愛是何等長闊高深，並知道這愛是過於人所能測度的，便叫神一切所充滿的，充滿了你們。</a:t>
+            </a:r>
+            <a:endParaRPr lang="en-US" altLang="zh-TW" sz="6400" b="1" dirty="0">
+              <a:latin typeface="Microsoft JhengHei" panose="020B0604030504040204" pitchFamily="34" charset="-120"/>
+              <a:ea typeface="Microsoft JhengHei" panose="020B0604030504040204" pitchFamily="34" charset="-120"/>
+            </a:endParaRPr>
+          </a:p>
+        </p:txBody>
+      </p:sp>
+    </p:spTree>
+    <p:extLst>
+      <p:ext uri="{BB962C8B-B14F-4D97-AF65-F5344CB8AC3E}">
+        <p14:creationId xmlns:p14="http://schemas.microsoft.com/office/powerpoint/2010/main" val="3200568351"/>
+      </p:ext>
+    </p:extLst>
   </p:cSld>
   <p:clrMapOvr>
     <a:masterClrMapping/>
